--- a/SEM-2/MINI_PROJECT/VNIT_PRESENTATION_PM2.pptx
+++ b/SEM-2/MINI_PROJECT/VNIT_PRESENTATION_PM2.pptx
@@ -113,6 +113,11 @@
       </a:defRPr>
     </a:lvl9pPr>
   </p:defaultTextStyle>
+  <p:extLst>
+    <p:ext uri="{EFAFB233-063F-42B5-8137-9DF3F51BA10A}">
+      <p15:sldGuideLst xmlns:p15="http://schemas.microsoft.com/office/powerpoint/2012/main"/>
+    </p:ext>
+  </p:extLst>
 </p:presentation>
 </file>
 
@@ -3471,6 +3476,100 @@
           </a:prstGeom>
         </p:spPr>
       </p:pic>
+      <p:sp>
+        <p:nvSpPr>
+          <p:cNvPr id="6" name="TextBox 5">
+            <a:extLst>
+              <a:ext uri="{FF2B5EF4-FFF2-40B4-BE49-F238E27FC236}">
+                <a16:creationId xmlns:a16="http://schemas.microsoft.com/office/drawing/2014/main" id="{59ED47BF-BE35-87E5-C194-51FD5199BCB4}"/>
+              </a:ext>
+            </a:extLst>
+          </p:cNvPr>
+          <p:cNvSpPr txBox="1"/>
+          <p:nvPr/>
+        </p:nvSpPr>
+        <p:spPr>
+          <a:xfrm>
+            <a:off x="3047134" y="5301872"/>
+            <a:ext cx="6094268" cy="1200329"/>
+          </a:xfrm>
+          <a:prstGeom prst="rect">
+            <a:avLst/>
+          </a:prstGeom>
+          <a:noFill/>
+        </p:spPr>
+        <p:txBody>
+          <a:bodyPr wrap="square">
+            <a:spAutoFit/>
+          </a:bodyPr>
+          <a:lstStyle/>
+          <a:p>
+            <a:pPr algn="ctr" rtl="0"/>
+            <a:br>
+              <a:rPr lang="en-GB" b="0" dirty="0">
+                <a:effectLst/>
+              </a:rPr>
+            </a:br>
+            <a:r>
+              <a:rPr lang="en-GB" sz="1800" b="1" i="0" u="none" strike="noStrike" dirty="0">
+                <a:solidFill>
+                  <a:srgbClr val="898989"/>
+                </a:solidFill>
+                <a:effectLst/>
+                <a:latin typeface="Calibri" panose="020F0502020204030204" pitchFamily="34" charset="0"/>
+              </a:rPr>
+              <a:t>In collaboration with WITS University, South Africa</a:t>
+            </a:r>
+            <a:endParaRPr lang="en-GB" b="0" dirty="0">
+              <a:effectLst/>
+            </a:endParaRPr>
+          </a:p>
+          <a:p>
+            <a:br>
+              <a:rPr lang="en-GB" b="0" dirty="0">
+                <a:effectLst/>
+              </a:rPr>
+            </a:br>
+            <a:endParaRPr lang="en-IN" dirty="0"/>
+          </a:p>
+        </p:txBody>
+      </p:sp>
+      <p:pic>
+        <p:nvPicPr>
+          <p:cNvPr id="8" name="Graphic 7">
+            <a:extLst>
+              <a:ext uri="{FF2B5EF4-FFF2-40B4-BE49-F238E27FC236}">
+                <a16:creationId xmlns:a16="http://schemas.microsoft.com/office/drawing/2014/main" id="{CFD1784A-13DA-F287-B349-C465941757BC}"/>
+              </a:ext>
+            </a:extLst>
+          </p:cNvPr>
+          <p:cNvPicPr>
+            <a:picLocks noChangeAspect="1"/>
+          </p:cNvPicPr>
+          <p:nvPr/>
+        </p:nvPicPr>
+        <p:blipFill>
+          <a:blip r:embed="rId3">
+            <a:extLst>
+              <a:ext uri="{96DAC541-7B7A-43D3-8B79-37D633B846F1}">
+                <asvg:svgBlip xmlns:asvg="http://schemas.microsoft.com/office/drawing/2016/SVG/main" r:embed="rId4"/>
+              </a:ext>
+            </a:extLst>
+          </a:blip>
+          <a:stretch>
+            <a:fillRect/>
+          </a:stretch>
+        </p:blipFill>
+        <p:spPr>
+          <a:xfrm>
+            <a:off x="5340928" y="5902036"/>
+            <a:ext cx="1715798" cy="428503"/>
+          </a:xfrm>
+          <a:prstGeom prst="rect">
+            <a:avLst/>
+          </a:prstGeom>
+        </p:spPr>
+      </p:pic>
     </p:spTree>
     <p:extLst>
       <p:ext uri="{BB962C8B-B14F-4D97-AF65-F5344CB8AC3E}">
@@ -4333,18 +4432,16 @@
         <p:spPr>
           <a:xfrm>
             <a:off x="838200" y="1323834"/>
-            <a:ext cx="10515600" cy="1473957"/>
+            <a:ext cx="10515600" cy="1761958"/>
           </a:xfrm>
         </p:spPr>
         <p:txBody>
           <a:bodyPr>
-            <a:normAutofit/>
+            <a:normAutofit fontScale="92500" lnSpcReduction="20000"/>
           </a:bodyPr>
           <a:lstStyle/>
           <a:p>
-            <a:pPr marL="0" indent="0">
-              <a:buNone/>
-            </a:pPr>
+            <a:pPr rtl="0"/>
             <a:r>
               <a:rPr lang="en-GB" dirty="0"/>
               <a:t>The project is based on prior work conducted at WITS University, South Africa, using </a:t>
@@ -4359,6 +4456,98 @@
             </a:r>
           </a:p>
           <a:p>
+            <a:pPr rtl="0"/>
+            <a:r>
+              <a:rPr lang="en-IN" sz="1800" b="1" i="0" u="none" strike="noStrike" dirty="0">
+                <a:solidFill>
+                  <a:srgbClr val="000000"/>
+                </a:solidFill>
+                <a:effectLst/>
+                <a:latin typeface="Calibri" panose="020F0502020204030204" pitchFamily="34" charset="0"/>
+              </a:rPr>
+              <a:t> </a:t>
+            </a:r>
+            <a:r>
+              <a:rPr lang="en-IN" i="0" u="none" strike="noStrike" dirty="0">
+                <a:solidFill>
+                  <a:srgbClr val="000000"/>
+                </a:solidFill>
+                <a:effectLst/>
+                <a:latin typeface="Calibri" panose="020F0502020204030204" pitchFamily="34" charset="0"/>
+              </a:rPr>
+              <a:t>Leaders</a:t>
+            </a:r>
+            <a:r>
+              <a:rPr lang="en-IN" sz="1800" b="1" i="0" u="none" strike="noStrike" dirty="0">
+                <a:solidFill>
+                  <a:srgbClr val="000000"/>
+                </a:solidFill>
+                <a:effectLst/>
+                <a:latin typeface="Calibri" panose="020F0502020204030204" pitchFamily="34" charset="0"/>
+              </a:rPr>
+              <a:t>:</a:t>
+            </a:r>
+            <a:endParaRPr lang="en-IN" b="0" dirty="0">
+              <a:effectLst/>
+            </a:endParaRPr>
+          </a:p>
+          <a:p>
+            <a:pPr lvl="1" fontAlgn="base"/>
+            <a:r>
+              <a:rPr lang="en-IN" sz="1400" b="0" i="0" u="none" strike="noStrike" dirty="0">
+                <a:solidFill>
+                  <a:srgbClr val="000000"/>
+                </a:solidFill>
+                <a:effectLst/>
+                <a:latin typeface="Calibri" panose="020F0502020204030204" pitchFamily="34" charset="0"/>
+              </a:rPr>
+              <a:t>Bruce Mellado [ bruce.mellado@wits.ac.za ] </a:t>
+            </a:r>
+            <a:endParaRPr lang="en-IN" sz="1400" b="0" i="0" u="none" strike="noStrike" dirty="0">
+              <a:solidFill>
+                <a:srgbClr val="000000"/>
+              </a:solidFill>
+              <a:effectLst/>
+              <a:latin typeface="Arial" panose="020B0604020202020204" pitchFamily="34" charset="0"/>
+            </a:endParaRPr>
+          </a:p>
+          <a:p>
+            <a:pPr lvl="1" fontAlgn="base"/>
+            <a:r>
+              <a:rPr lang="en-IN" sz="1400" b="0" i="0" u="none" strike="noStrike" dirty="0" err="1">
+                <a:solidFill>
+                  <a:srgbClr val="000000"/>
+                </a:solidFill>
+                <a:effectLst/>
+                <a:latin typeface="Calibri" panose="020F0502020204030204" pitchFamily="34" charset="0"/>
+              </a:rPr>
+              <a:t>Mukush</a:t>
+            </a:r>
+            <a:r>
+              <a:rPr lang="en-IN" sz="1400" b="0" i="0" u="none" strike="noStrike" dirty="0">
+                <a:solidFill>
+                  <a:srgbClr val="000000"/>
+                </a:solidFill>
+                <a:effectLst/>
+                <a:latin typeface="Calibri" panose="020F0502020204030204" pitchFamily="34" charset="0"/>
+              </a:rPr>
+              <a:t> Kumar [ Mukesh.kumar@wits.ac.za ]</a:t>
+            </a:r>
+            <a:endParaRPr lang="en-IN" sz="1400" b="0" i="0" u="none" strike="noStrike" dirty="0">
+              <a:solidFill>
+                <a:srgbClr val="000000"/>
+              </a:solidFill>
+              <a:effectLst/>
+              <a:latin typeface="Arial" panose="020B0604020202020204" pitchFamily="34" charset="0"/>
+            </a:endParaRPr>
+          </a:p>
+          <a:p>
+            <a:pPr marL="0" indent="0">
+              <a:buNone/>
+            </a:pPr>
+            <a:endParaRPr lang="en-GB" dirty="0"/>
+          </a:p>
+          <a:p>
             <a:endParaRPr lang="en-IN" dirty="0"/>
           </a:p>
         </p:txBody>
@@ -4379,8 +4568,8 @@
         </p:nvSpPr>
         <p:spPr>
           <a:xfrm>
-            <a:off x="838200" y="2763670"/>
-            <a:ext cx="10515600" cy="992829"/>
+            <a:off x="838200" y="3085792"/>
+            <a:ext cx="10515600" cy="665330"/>
           </a:xfrm>
           <a:prstGeom prst="rect">
             <a:avLst/>
@@ -4388,7 +4577,7 @@
         </p:spPr>
         <p:txBody>
           <a:bodyPr vert="horz" lIns="91440" tIns="45720" rIns="91440" bIns="45720" rtlCol="0" anchor="ctr">
-            <a:normAutofit/>
+            <a:normAutofit lnSpcReduction="10000"/>
           </a:bodyPr>
           <a:lstStyle>
             <a:lvl1pPr algn="l" defTabSz="914400" rtl="0" eaLnBrk="1" latinLnBrk="0" hangingPunct="1">
@@ -4433,8 +4622,8 @@
         </p:nvSpPr>
         <p:spPr>
           <a:xfrm>
-            <a:off x="837600" y="3756500"/>
-            <a:ext cx="10515600" cy="2425936"/>
+            <a:off x="837600" y="3912365"/>
+            <a:ext cx="10515600" cy="2176709"/>
           </a:xfrm>
           <a:prstGeom prst="rect">
             <a:avLst/>
@@ -4442,7 +4631,7 @@
         </p:spPr>
         <p:txBody>
           <a:bodyPr vert="horz" lIns="91440" tIns="45720" rIns="91440" bIns="45720" rtlCol="0">
-            <a:normAutofit lnSpcReduction="10000"/>
+            <a:normAutofit fontScale="92500" lnSpcReduction="10000"/>
           </a:bodyPr>
           <a:lstStyle>
             <a:lvl1pPr marL="228600" indent="-228600" algn="l" defTabSz="914400" rtl="0" eaLnBrk="1" latinLnBrk="0" hangingPunct="1">
@@ -5318,15 +5507,7 @@
           <a:p>
             <a:r>
               <a:rPr lang="en-GB" dirty="0"/>
-              <a:t>Incorporate advanced techniques like Reinforcement Learning (RL) for adaptive interventions and LSTMs for long-term temporal dependency </a:t>
-            </a:r>
-            <a:r>
-              <a:rPr lang="en-GB" dirty="0" err="1"/>
-              <a:t>modeling</a:t>
-            </a:r>
-            <a:r>
-              <a:rPr lang="en-GB" dirty="0"/>
-              <a:t>.</a:t>
+              <a:t>Incorporate advanced techniques like Reinforcement Learning (RL) for adaptive interventions and LSTMs for long-term temporal dependency modelling.</a:t>
             </a:r>
             <a:endParaRPr lang="en-IN" dirty="0"/>
           </a:p>
@@ -5429,7 +5610,7 @@
             <a:pPr lvl="2"/>
             <a:r>
               <a:rPr lang="en-IN" dirty="0"/>
-              <a:t>RMSE improved from </a:t>
+              <a:t>RMSE (Root Mean Square Error) improved from </a:t>
             </a:r>
             <a:r>
               <a:rPr lang="en-IN" b="1" dirty="0"/>
@@ -5452,7 +5633,7 @@
             <a:pPr lvl="2"/>
             <a:r>
               <a:rPr lang="en-IN" dirty="0"/>
-              <a:t>MAE reduced from </a:t>
+              <a:t>MAE (Mean Absolute Error ) reduced from </a:t>
             </a:r>
             <a:r>
               <a:rPr lang="en-IN" b="1" dirty="0"/>
@@ -5471,7 +5652,7 @@
             <a:pPr lvl="2"/>
             <a:r>
               <a:rPr lang="en-IN" dirty="0"/>
-              <a:t>CSI and POD improved, FAR decreased.</a:t>
+              <a:t>CSI (Critical Success Index) and POD (Probability of Detection) improved, FAR decreased.</a:t>
             </a:r>
           </a:p>
           <a:p>
@@ -5673,14 +5854,14 @@
             <a:pPr lvl="1"/>
             <a:r>
               <a:rPr lang="en-GB" dirty="0"/>
-              <a:t>Incorporate LSTMs for advanced temporal pattern analysis.</a:t>
+              <a:t>Incorporate LSTMs (Long Short-Term Memory) for advanced temporal pattern analysis.</a:t>
             </a:r>
           </a:p>
           <a:p>
             <a:pPr lvl="1"/>
             <a:r>
               <a:rPr lang="en-GB" dirty="0"/>
-              <a:t>Develop datasets covering new regions (e.g., USA, Brazil, India) for robust testing.</a:t>
+              <a:t>Develop Models using datasets covering new regions (e.g., USA, Brazil, India) for robust testing.</a:t>
             </a:r>
           </a:p>
           <a:p>
@@ -5894,7 +6075,7 @@
         <p:spPr/>
         <p:txBody>
           <a:bodyPr>
-            <a:normAutofit fontScale="92500" lnSpcReduction="10000"/>
+            <a:normAutofit fontScale="92500" lnSpcReduction="20000"/>
           </a:bodyPr>
           <a:lstStyle/>
           <a:p>
@@ -5915,7 +6096,15 @@
             </a:r>
             <a:r>
               <a:rPr lang="en-IN" dirty="0"/>
-              <a:t> Normalize and structure sequences for LSTM.</a:t>
+              <a:t> Time Series data, </a:t>
+            </a:r>
+            <a:r>
+              <a:rPr lang="en-GB" dirty="0"/>
+              <a:t>such as time series like PM2.5 concentration over time, should be n</a:t>
+            </a:r>
+            <a:r>
+              <a:rPr lang="en-IN" dirty="0"/>
+              <a:t>normalized and organized sequences suitable for LSTM.</a:t>
             </a:r>
           </a:p>
           <a:p>
@@ -5926,7 +6115,7 @@
             </a:r>
             <a:r>
               <a:rPr lang="en-IN" dirty="0"/>
-              <a:t> Convert grids/images to tensors for CNN.</a:t>
+              <a:t> Convert grids/images to tensors for CNN for processing spatial features.</a:t>
             </a:r>
           </a:p>
           <a:p>

--- a/SEM-2/MINI_PROJECT/VNIT_PRESENTATION_PM2.pptx
+++ b/SEM-2/MINI_PROJECT/VNIT_PRESENTATION_PM2.pptx
@@ -14,7 +14,8 @@
     <p:sldId id="263" r:id="rId8"/>
     <p:sldId id="264" r:id="rId9"/>
     <p:sldId id="265" r:id="rId10"/>
-    <p:sldId id="267" r:id="rId11"/>
+    <p:sldId id="268" r:id="rId11"/>
+    <p:sldId id="267" r:id="rId12"/>
   </p:sldIdLst>
   <p:sldSz cx="12192000" cy="6858000"/>
   <p:notesSz cx="6858000" cy="9144000"/>
@@ -3602,6 +3603,96 @@
       </p:grpSpPr>
       <p:sp>
         <p:nvSpPr>
+          <p:cNvPr id="2" name="Title 1">
+            <a:extLst>
+              <a:ext uri="{FF2B5EF4-FFF2-40B4-BE49-F238E27FC236}">
+                <a16:creationId xmlns:a16="http://schemas.microsoft.com/office/drawing/2014/main" id="{61BDC5B7-53FE-4CDA-BEE7-2EB8F8FA5395}"/>
+              </a:ext>
+            </a:extLst>
+          </p:cNvPr>
+          <p:cNvSpPr>
+            <a:spLocks noGrp="1"/>
+          </p:cNvSpPr>
+          <p:nvPr>
+            <p:ph type="title"/>
+          </p:nvPr>
+        </p:nvSpPr>
+        <p:spPr/>
+        <p:txBody>
+          <a:bodyPr/>
+          <a:lstStyle/>
+          <a:p>
+            <a:endParaRPr lang="en-IN"/>
+          </a:p>
+        </p:txBody>
+      </p:sp>
+      <p:pic>
+        <p:nvPicPr>
+          <p:cNvPr id="5" name="Content Placeholder 4">
+            <a:extLst>
+              <a:ext uri="{FF2B5EF4-FFF2-40B4-BE49-F238E27FC236}">
+                <a16:creationId xmlns:a16="http://schemas.microsoft.com/office/drawing/2014/main" id="{DAD03548-0BF7-4A67-FD4E-70CB6913C337}"/>
+              </a:ext>
+            </a:extLst>
+          </p:cNvPr>
+          <p:cNvPicPr>
+            <a:picLocks noGrp="1" noChangeAspect="1"/>
+          </p:cNvPicPr>
+          <p:nvPr>
+            <p:ph idx="1"/>
+          </p:nvPr>
+        </p:nvPicPr>
+        <p:blipFill>
+          <a:blip r:embed="rId2">
+            <a:extLst>
+              <a:ext uri="{28A0092B-C50C-407E-A947-70E740481C1C}">
+                <a14:useLocalDpi xmlns:a14="http://schemas.microsoft.com/office/drawing/2010/main" val="0"/>
+              </a:ext>
+            </a:extLst>
+          </a:blip>
+          <a:stretch>
+            <a:fillRect/>
+          </a:stretch>
+        </p:blipFill>
+        <p:spPr>
+          <a:xfrm>
+            <a:off x="1744662" y="1825625"/>
+            <a:ext cx="8702676" cy="4351338"/>
+          </a:xfrm>
+        </p:spPr>
+      </p:pic>
+    </p:spTree>
+    <p:extLst>
+      <p:ext uri="{BB962C8B-B14F-4D97-AF65-F5344CB8AC3E}">
+        <p14:creationId xmlns:p14="http://schemas.microsoft.com/office/powerpoint/2010/main" val="3726914471"/>
+      </p:ext>
+    </p:extLst>
+  </p:cSld>
+  <p:clrMapOvr>
+    <a:masterClrMapping/>
+  </p:clrMapOvr>
+</p:sld>
+</file>
+
+<file path=ppt/slides/slide11.xml><?xml version="1.0" encoding="utf-8"?>
+<p:sld xmlns:a="http://schemas.openxmlformats.org/drawingml/2006/main" xmlns:r="http://schemas.openxmlformats.org/officeDocument/2006/relationships" xmlns:p="http://schemas.openxmlformats.org/presentationml/2006/main">
+  <p:cSld>
+    <p:spTree>
+      <p:nvGrpSpPr>
+        <p:cNvPr id="1" name=""/>
+        <p:cNvGrpSpPr/>
+        <p:nvPr/>
+      </p:nvGrpSpPr>
+      <p:grpSpPr>
+        <a:xfrm>
+          <a:off x="0" y="0"/>
+          <a:ext cx="0" cy="0"/>
+          <a:chOff x="0" y="0"/>
+          <a:chExt cx="0" cy="0"/>
+        </a:xfrm>
+      </p:grpSpPr>
+      <p:sp>
+        <p:nvSpPr>
           <p:cNvPr id="3" name="Content Placeholder 2">
             <a:extLst>
               <a:ext uri="{FF2B5EF4-FFF2-40B4-BE49-F238E27FC236}">
@@ -4514,14 +4605,14 @@
           <a:p>
             <a:pPr lvl="1" fontAlgn="base"/>
             <a:r>
-              <a:rPr lang="en-IN" sz="1400" b="0" i="0" u="none" strike="noStrike" dirty="0" err="1">
+              <a:rPr lang="en-IN" sz="1400" b="0" i="0" u="none" strike="noStrike">
                 <a:solidFill>
                   <a:srgbClr val="000000"/>
                 </a:solidFill>
                 <a:effectLst/>
                 <a:latin typeface="Calibri" panose="020F0502020204030204" pitchFamily="34" charset="0"/>
               </a:rPr>
-              <a:t>Mukush</a:t>
+              <a:t>Mukesh </a:t>
             </a:r>
             <a:r>
               <a:rPr lang="en-IN" sz="1400" b="0" i="0" u="none" strike="noStrike" dirty="0">
@@ -4531,7 +4622,7 @@
                 <a:effectLst/>
                 <a:latin typeface="Calibri" panose="020F0502020204030204" pitchFamily="34" charset="0"/>
               </a:rPr>
-              <a:t> Kumar [ Mukesh.kumar@wits.ac.za ]</a:t>
+              <a:t>Kumar [ Mukesh.kumar@wits.ac.za ]</a:t>
             </a:r>
             <a:endParaRPr lang="en-IN" sz="1400" b="0" i="0" u="none" strike="noStrike" dirty="0">
               <a:solidFill>
